--- a/LendingClub_CaseStudy/Lending_casestudy.pptx
+++ b/LendingClub_CaseStudy/Lending_casestudy.pptx
@@ -274,7 +274,7 @@
           <a:p>
             <a:fld id="{D60D654C-E75D-4976-B568-BD8589ABAE0D}" type="datetimeFigureOut">
               <a:rPr lang="en-US" smtClean="0"/>
-              <a:t>3/6/2022</a:t>
+              <a:t>3/7/2022</a:t>
             </a:fld>
             <a:endParaRPr lang="en-US"/>
           </a:p>
@@ -472,7 +472,7 @@
           <a:p>
             <a:fld id="{D60D654C-E75D-4976-B568-BD8589ABAE0D}" type="datetimeFigureOut">
               <a:rPr lang="en-US" smtClean="0"/>
-              <a:t>3/6/2022</a:t>
+              <a:t>3/7/2022</a:t>
             </a:fld>
             <a:endParaRPr lang="en-US"/>
           </a:p>
@@ -680,7 +680,7 @@
           <a:p>
             <a:fld id="{D60D654C-E75D-4976-B568-BD8589ABAE0D}" type="datetimeFigureOut">
               <a:rPr lang="en-US" smtClean="0"/>
-              <a:t>3/6/2022</a:t>
+              <a:t>3/7/2022</a:t>
             </a:fld>
             <a:endParaRPr lang="en-US"/>
           </a:p>
@@ -878,7 +878,7 @@
           <a:p>
             <a:fld id="{D60D654C-E75D-4976-B568-BD8589ABAE0D}" type="datetimeFigureOut">
               <a:rPr lang="en-US" smtClean="0"/>
-              <a:t>3/6/2022</a:t>
+              <a:t>3/7/2022</a:t>
             </a:fld>
             <a:endParaRPr lang="en-US"/>
           </a:p>
@@ -1153,7 +1153,7 @@
           <a:p>
             <a:fld id="{D60D654C-E75D-4976-B568-BD8589ABAE0D}" type="datetimeFigureOut">
               <a:rPr lang="en-US" smtClean="0"/>
-              <a:t>3/6/2022</a:t>
+              <a:t>3/7/2022</a:t>
             </a:fld>
             <a:endParaRPr lang="en-US"/>
           </a:p>
@@ -1418,7 +1418,7 @@
           <a:p>
             <a:fld id="{D60D654C-E75D-4976-B568-BD8589ABAE0D}" type="datetimeFigureOut">
               <a:rPr lang="en-US" smtClean="0"/>
-              <a:t>3/6/2022</a:t>
+              <a:t>3/7/2022</a:t>
             </a:fld>
             <a:endParaRPr lang="en-US"/>
           </a:p>
@@ -1830,7 +1830,7 @@
           <a:p>
             <a:fld id="{D60D654C-E75D-4976-B568-BD8589ABAE0D}" type="datetimeFigureOut">
               <a:rPr lang="en-US" smtClean="0"/>
-              <a:t>3/6/2022</a:t>
+              <a:t>3/7/2022</a:t>
             </a:fld>
             <a:endParaRPr lang="en-US"/>
           </a:p>
@@ -1971,7 +1971,7 @@
           <a:p>
             <a:fld id="{D60D654C-E75D-4976-B568-BD8589ABAE0D}" type="datetimeFigureOut">
               <a:rPr lang="en-US" smtClean="0"/>
-              <a:t>3/6/2022</a:t>
+              <a:t>3/7/2022</a:t>
             </a:fld>
             <a:endParaRPr lang="en-US"/>
           </a:p>
@@ -2084,7 +2084,7 @@
           <a:p>
             <a:fld id="{D60D654C-E75D-4976-B568-BD8589ABAE0D}" type="datetimeFigureOut">
               <a:rPr lang="en-US" smtClean="0"/>
-              <a:t>3/6/2022</a:t>
+              <a:t>3/7/2022</a:t>
             </a:fld>
             <a:endParaRPr lang="en-US"/>
           </a:p>
@@ -2395,7 +2395,7 @@
           <a:p>
             <a:fld id="{D60D654C-E75D-4976-B568-BD8589ABAE0D}" type="datetimeFigureOut">
               <a:rPr lang="en-US" smtClean="0"/>
-              <a:t>3/6/2022</a:t>
+              <a:t>3/7/2022</a:t>
             </a:fld>
             <a:endParaRPr lang="en-US"/>
           </a:p>
@@ -2683,7 +2683,7 @@
           <a:p>
             <a:fld id="{D60D654C-E75D-4976-B568-BD8589ABAE0D}" type="datetimeFigureOut">
               <a:rPr lang="en-US" smtClean="0"/>
-              <a:t>3/6/2022</a:t>
+              <a:t>3/7/2022</a:t>
             </a:fld>
             <a:endParaRPr lang="en-US"/>
           </a:p>
@@ -2760,9 +2760,39 @@
 <p:sldMaster xmlns:a="http://schemas.openxmlformats.org/drawingml/2006/main" xmlns:r="http://schemas.openxmlformats.org/officeDocument/2006/relationships" xmlns:p="http://schemas.openxmlformats.org/presentationml/2006/main">
   <p:cSld>
     <p:bg>
-      <p:bgRef idx="1001">
-        <a:schemeClr val="bg1"/>
-      </p:bgRef>
+      <p:bgPr>
+        <a:gradFill flip="none" rotWithShape="1">
+          <a:gsLst>
+            <a:gs pos="0">
+              <a:schemeClr val="accent1">
+                <a:lumMod val="5000"/>
+                <a:lumOff val="95000"/>
+              </a:schemeClr>
+            </a:gs>
+            <a:gs pos="74000">
+              <a:schemeClr val="accent1">
+                <a:lumMod val="45000"/>
+                <a:lumOff val="55000"/>
+              </a:schemeClr>
+            </a:gs>
+            <a:gs pos="83000">
+              <a:schemeClr val="accent1">
+                <a:lumMod val="45000"/>
+                <a:lumOff val="55000"/>
+              </a:schemeClr>
+            </a:gs>
+            <a:gs pos="100000">
+              <a:schemeClr val="accent1">
+                <a:lumMod val="30000"/>
+                <a:lumOff val="70000"/>
+              </a:schemeClr>
+            </a:gs>
+          </a:gsLst>
+          <a:lin ang="5400000" scaled="1"/>
+          <a:tileRect/>
+        </a:gradFill>
+        <a:effectLst/>
+      </p:bgPr>
     </p:bg>
     <p:spTree>
       <p:nvGrpSpPr>
@@ -2924,7 +2954,7 @@
           <a:p>
             <a:fld id="{D60D654C-E75D-4976-B568-BD8589ABAE0D}" type="datetimeFigureOut">
               <a:rPr lang="en-US" smtClean="0"/>
-              <a:t>3/6/2022</a:t>
+              <a:t>3/7/2022</a:t>
             </a:fld>
             <a:endParaRPr lang="en-US"/>
           </a:p>
@@ -3392,7 +3422,7 @@
           <a:p>
             <a:r>
               <a:rPr lang="en-US" dirty="0"/>
-              <a:t>Group Member</a:t>
+              <a:t>Case Study Performed by</a:t>
             </a:r>
           </a:p>
           <a:p>
@@ -3498,11 +3528,13 @@
         <p:spPr>
           <a:xfrm>
             <a:off x="360642" y="1664411"/>
-            <a:ext cx="6011544" cy="746760"/>
+            <a:ext cx="4347545" cy="746760"/>
           </a:xfrm>
         </p:spPr>
         <p:txBody>
-          <a:bodyPr/>
+          <a:bodyPr>
+            <a:normAutofit fontScale="77500" lnSpcReduction="20000"/>
+          </a:bodyPr>
           <a:lstStyle/>
           <a:p>
             <a:r>
@@ -3513,14 +3545,30 @@
                 <a:effectLst/>
                 <a:latin typeface="Helvetica Neue"/>
               </a:rPr>
-              <a:t>43 % of users are Not Verified .</a:t>
-            </a:r>
-            <a:endParaRPr lang="en-US" dirty="0">
-              <a:solidFill>
-                <a:srgbClr val="000000"/>
-              </a:solidFill>
-              <a:latin typeface="Helvetica Neue"/>
-            </a:endParaRPr>
+              <a:t>43 % customers are Not Verified.</a:t>
+            </a:r>
+          </a:p>
+          <a:p>
+            <a:r>
+              <a:rPr lang="en-US" dirty="0">
+                <a:solidFill>
+                  <a:srgbClr val="000000"/>
+                </a:solidFill>
+                <a:latin typeface="Helvetica Neue"/>
+              </a:rPr>
+              <a:t>31% customers are Verified.</a:t>
+            </a:r>
+          </a:p>
+          <a:p>
+            <a:r>
+              <a:rPr lang="en-US" dirty="0">
+                <a:solidFill>
+                  <a:srgbClr val="000000"/>
+                </a:solidFill>
+                <a:latin typeface="Helvetica Neue"/>
+              </a:rPr>
+              <a:t>26% customers have Source Verified .</a:t>
+            </a:r>
           </a:p>
           <a:p>
             <a:endParaRPr lang="en-US" dirty="0"/>
@@ -3543,8 +3591,8 @@
         </p:nvSpPr>
         <p:spPr>
           <a:xfrm>
-            <a:off x="320312" y="3735977"/>
-            <a:ext cx="10182950" cy="348343"/>
+            <a:off x="320312" y="3735976"/>
+            <a:ext cx="10182950" cy="446917"/>
           </a:xfrm>
           <a:prstGeom prst="rect">
             <a:avLst/>
@@ -3552,7 +3600,7 @@
         </p:spPr>
         <p:txBody>
           <a:bodyPr vert="horz" lIns="91440" tIns="45720" rIns="91440" bIns="45720" rtlCol="0">
-            <a:normAutofit fontScale="70000" lnSpcReduction="20000"/>
+            <a:normAutofit fontScale="92500" lnSpcReduction="20000"/>
           </a:bodyPr>
           <a:lstStyle>
             <a:lvl1pPr marL="0" indent="0" algn="l" defTabSz="914400" rtl="0" eaLnBrk="1" latinLnBrk="0" hangingPunct="1">
@@ -3726,7 +3774,7 @@
                 </a:solidFill>
                 <a:latin typeface="Helvetica Neue"/>
               </a:rPr>
-              <a:t>Company should make sure higher amount of loans are not provisioned to users who are not verified , also company is taking risk of providing more number loan to Not Verified users </a:t>
+              <a:t>Company should make sure higher amount of loans are not provisioned to customers who are not verified , also company is taking risk of providing more number loan to Not Verified customers. </a:t>
             </a:r>
           </a:p>
         </p:txBody>
@@ -3754,7 +3802,7 @@
         <p:spPr>
           <a:xfrm>
             <a:off x="6372186" y="989011"/>
-            <a:ext cx="4131076" cy="2439989"/>
+            <a:ext cx="4131076" cy="2746965"/>
           </a:xfrm>
           <a:prstGeom prst="rect">
             <a:avLst/>
@@ -3783,8 +3831,8 @@
         </p:blipFill>
         <p:spPr>
           <a:xfrm>
-            <a:off x="360642" y="4061338"/>
-            <a:ext cx="10306050" cy="2695575"/>
+            <a:off x="360642" y="4285074"/>
+            <a:ext cx="10306050" cy="2572926"/>
           </a:xfrm>
           <a:prstGeom prst="rect">
             <a:avLst/>
@@ -4051,7 +4099,7 @@
           <a:p>
             <a:r>
               <a:rPr lang="en-US" sz="1200" dirty="0"/>
-              <a:t>We see users requested loan for Small Business are having huge default percentage .</a:t>
+              <a:t>We see customers requested loan for Small Business are having huge default percentage .</a:t>
             </a:r>
           </a:p>
         </p:txBody>
@@ -4256,7 +4304,26 @@
                 <a:effectLst/>
                 <a:latin typeface="Helvetica Neue"/>
               </a:rPr>
-              <a:t>Majority of Loan distributed to users request for purpose of Debt Consolidation</a:t>
+              <a:t>Majority of Loan distributed to </a:t>
+            </a:r>
+            <a:r>
+              <a:rPr lang="en-US" dirty="0">
+                <a:solidFill>
+                  <a:srgbClr val="000000"/>
+                </a:solidFill>
+                <a:latin typeface="Helvetica Neue"/>
+              </a:rPr>
+              <a:t>customers</a:t>
+            </a:r>
+            <a:r>
+              <a:rPr lang="en-US" b="0" i="0" dirty="0">
+                <a:solidFill>
+                  <a:srgbClr val="000000"/>
+                </a:solidFill>
+                <a:effectLst/>
+                <a:latin typeface="Helvetica Neue"/>
+              </a:rPr>
+              <a:t> request for purpose of Debt Consolidation</a:t>
             </a:r>
             <a:endParaRPr lang="en-US" dirty="0"/>
           </a:p>
@@ -4404,8 +4471,8 @@
         </p:nvSpPr>
         <p:spPr>
           <a:xfrm>
-            <a:off x="994502" y="727615"/>
-            <a:ext cx="7827281" cy="243546"/>
+            <a:off x="994502" y="727614"/>
+            <a:ext cx="8606698" cy="575891"/>
           </a:xfrm>
           <a:prstGeom prst="rect">
             <a:avLst/>
@@ -4413,7 +4480,7 @@
         </p:spPr>
         <p:txBody>
           <a:bodyPr vert="horz" lIns="91440" tIns="45720" rIns="91440" bIns="45720" rtlCol="0">
-            <a:normAutofit fontScale="77500" lnSpcReduction="20000"/>
+            <a:normAutofit/>
           </a:bodyPr>
           <a:lstStyle>
             <a:lvl1pPr marL="0" indent="0" algn="l" defTabSz="914400" rtl="0" eaLnBrk="1" latinLnBrk="0" hangingPunct="1">
@@ -4582,7 +4649,7 @@
           <a:p>
             <a:r>
               <a:rPr lang="en-US" dirty="0"/>
-              <a:t>We see higher loan amount provided to users requested loan for  Small Business and House .</a:t>
+              <a:t>We see higher loan amount provided to customers requested loan for  Small Business and House .</a:t>
             </a:r>
           </a:p>
         </p:txBody>
@@ -4877,13 +4944,13 @@
           <a:p>
             <a:r>
               <a:rPr lang="en-US" dirty="0"/>
-              <a:t>Company has provided loans to Vacation and House purpose for users having high average for Public Record .</a:t>
+              <a:t>Company has provided loans to Vacation and House purpose for customers  having high average for Public Record .</a:t>
             </a:r>
           </a:p>
           <a:p>
             <a:r>
               <a:rPr lang="en-US" dirty="0"/>
-              <a:t>As Medical Loans are urgent and required for emergency purpose , company should try to provide low loan rates so users can return it .</a:t>
+              <a:t>As Medical Loans are urgent and required for emergency purpose , company should try to provide low loan rates so customers can return it .</a:t>
             </a:r>
           </a:p>
         </p:txBody>
@@ -5135,7 +5202,7 @@
         </p:spPr>
         <p:txBody>
           <a:bodyPr vert="horz" lIns="91440" tIns="45720" rIns="91440" bIns="45720" rtlCol="0">
-            <a:normAutofit fontScale="85000" lnSpcReduction="10000"/>
+            <a:normAutofit fontScale="85000" lnSpcReduction="20000"/>
           </a:bodyPr>
           <a:lstStyle>
             <a:lvl1pPr marL="0" indent="0" algn="l" defTabSz="914400" rtl="0" eaLnBrk="1" latinLnBrk="0" hangingPunct="1">
@@ -5304,7 +5371,7 @@
           <a:p>
             <a:r>
               <a:rPr lang="en-US" dirty="0"/>
-              <a:t>When a user is Not Verified and with no Bankruptcy record , company should try to not provide higher loans when reported Annual Income is high as below data is for Defaulters having No Verification and no bankruptcy . It will save company from loss</a:t>
+              <a:t>When a customer is Not Verified and with no Bankruptcy record , company should try to not provide higher loans when reported Annual Income is high as below data shows for Defaulters having No Verification and no bankruptcy . It will save company from loss</a:t>
             </a:r>
           </a:p>
         </p:txBody>
@@ -6350,9 +6417,22 @@
         </p:blipFill>
         <p:spPr>
           <a:xfrm>
-            <a:off x="8170987" y="1000125"/>
-            <a:ext cx="3324225" cy="2428875"/>
+            <a:off x="6544235" y="851647"/>
+            <a:ext cx="4950978" cy="3119718"/>
           </a:xfrm>
+          <a:effectLst>
+            <a:glow>
+              <a:schemeClr val="accent1">
+                <a:alpha val="26000"/>
+              </a:schemeClr>
+            </a:glow>
+            <a:outerShdw dir="3420000" algn="ctr" rotWithShape="0">
+              <a:srgbClr val="000000">
+                <a:alpha val="56000"/>
+              </a:srgbClr>
+            </a:outerShdw>
+            <a:reflection stA="45000" endPos="65000" dist="50800" dir="5400000" sy="-100000" algn="bl" rotWithShape="0"/>
+          </a:effectLst>
         </p:spPr>
       </p:pic>
       <p:sp>
@@ -6374,11 +6454,13 @@
         <p:spPr>
           <a:xfrm>
             <a:off x="360642" y="1664411"/>
-            <a:ext cx="6011544" cy="746760"/>
+            <a:ext cx="6011544" cy="1565172"/>
           </a:xfrm>
         </p:spPr>
         <p:txBody>
-          <a:bodyPr/>
+          <a:bodyPr>
+            <a:normAutofit lnSpcReduction="10000"/>
+          </a:bodyPr>
           <a:lstStyle/>
           <a:p>
             <a:r>
@@ -6389,8 +6471,46 @@
                 <a:effectLst/>
                 <a:latin typeface="Helvetica Neue"/>
               </a:rPr>
-              <a:t>Majority of users have paid off which is a good sign and 14% are defaulters</a:t>
-            </a:r>
+              <a:t>Majority of customers have paid off which is a good sign and 14% are defaulters .</a:t>
+            </a:r>
+          </a:p>
+          <a:p>
+            <a:endParaRPr lang="en-US" dirty="0">
+              <a:solidFill>
+                <a:srgbClr val="000000"/>
+              </a:solidFill>
+              <a:latin typeface="Helvetica Neue"/>
+            </a:endParaRPr>
+          </a:p>
+          <a:p>
+            <a:r>
+              <a:rPr lang="en-US" b="0" i="0" dirty="0">
+                <a:solidFill>
+                  <a:srgbClr val="000000"/>
+                </a:solidFill>
+                <a:effectLst/>
+                <a:latin typeface="Helvetica Neue"/>
+              </a:rPr>
+              <a:t>Fully Paid – 86 %</a:t>
+            </a:r>
+          </a:p>
+          <a:p>
+            <a:r>
+              <a:rPr lang="en-US" dirty="0">
+                <a:solidFill>
+                  <a:srgbClr val="000000"/>
+                </a:solidFill>
+                <a:latin typeface="Helvetica Neue"/>
+              </a:rPr>
+              <a:t>Charged Off(Defaulters) – 14%</a:t>
+            </a:r>
+            <a:endParaRPr lang="en-US" b="0" i="0" dirty="0">
+              <a:solidFill>
+                <a:srgbClr val="000000"/>
+              </a:solidFill>
+              <a:effectLst/>
+              <a:latin typeface="Helvetica Neue"/>
+            </a:endParaRPr>
           </a:p>
           <a:p>
             <a:endParaRPr lang="en-US" dirty="0">
@@ -6604,7 +6724,7 @@
                 </a:solidFill>
                 <a:latin typeface="Helvetica Neue"/>
               </a:rPr>
-              <a:t>10plus year Employee length loan has been distributed the most</a:t>
+              <a:t>Customers having 10+ years Employee length ,  loan has been distributed the most .</a:t>
             </a:r>
           </a:p>
           <a:p>
@@ -6634,7 +6754,7 @@
         </p:blipFill>
         <p:spPr>
           <a:xfrm>
-            <a:off x="7480663" y="3390900"/>
+            <a:off x="6544235" y="3848100"/>
             <a:ext cx="4391025" cy="3009900"/>
           </a:xfrm>
           <a:prstGeom prst="rect">
@@ -6658,14 +6778,6 @@
 <file path=ppt/slides/slide4.xml><?xml version="1.0" encoding="utf-8"?>
 <p:sld xmlns:a="http://schemas.openxmlformats.org/drawingml/2006/main" xmlns:r="http://schemas.openxmlformats.org/officeDocument/2006/relationships" xmlns:p="http://schemas.openxmlformats.org/presentationml/2006/main">
   <p:cSld>
-    <p:bg>
-      <p:bgPr>
-        <a:solidFill>
-          <a:schemeClr val="bg1"/>
-        </a:solidFill>
-        <a:effectLst/>
-      </p:bgPr>
-    </p:bg>
     <p:spTree>
       <p:nvGrpSpPr>
         <p:cNvPr id="1" name=""/>
@@ -6702,8 +6814,8 @@
         </p:blipFill>
         <p:spPr>
           <a:xfrm>
-            <a:off x="6950625" y="1147366"/>
-            <a:ext cx="4890276" cy="1857233"/>
+            <a:off x="5421086" y="826852"/>
+            <a:ext cx="6419815" cy="2827316"/>
           </a:xfrm>
           <a:prstGeom prst="rect">
             <a:avLst/>
@@ -6956,8 +7068,8 @@
         </p:nvSpPr>
         <p:spPr>
           <a:xfrm>
-            <a:off x="910839" y="769110"/>
-            <a:ext cx="5164703" cy="1892958"/>
+            <a:off x="435702" y="1067905"/>
+            <a:ext cx="4904784" cy="1633622"/>
           </a:xfrm>
           <a:prstGeom prst="rect">
             <a:avLst/>
@@ -6965,7 +7077,7 @@
         </p:spPr>
         <p:txBody>
           <a:bodyPr vert="horz" lIns="91440" tIns="45720" rIns="91440" bIns="45720" rtlCol="0" anchor="ctr">
-            <a:normAutofit/>
+            <a:normAutofit lnSpcReduction="10000"/>
           </a:bodyPr>
           <a:lstStyle>
             <a:lvl1pPr marL="0" indent="0" algn="l" defTabSz="914400" rtl="0" eaLnBrk="1" latinLnBrk="0" hangingPunct="1">
@@ -7138,7 +7250,7 @@
             </a:pPr>
             <a:r>
               <a:rPr lang="en-US" sz="1800" dirty="0"/>
-              <a:t>2011 most of the loans were being distributed as the Global and US economy was blooming </a:t>
+              <a:t>2011 most of the loans were being distributed as the Global and US economy was blooming. </a:t>
             </a:r>
           </a:p>
           <a:p>
@@ -7148,15 +7260,8 @@
             </a:pPr>
             <a:r>
               <a:rPr lang="en-US" sz="1800" dirty="0"/>
-              <a:t>Dec , Nov Most of the loans have been distributed as its holiday season and users require money </a:t>
-            </a:r>
-          </a:p>
-          <a:p>
-            <a:pPr indent="-228600">
-              <a:buFont typeface="Arial" panose="020B0604020202020204" pitchFamily="34" charset="0"/>
-              <a:buChar char="•"/>
-            </a:pPr>
-            <a:endParaRPr lang="en-US" sz="1800" dirty="0"/>
+              <a:t>Dec , Nov Most of the loans have been distributed as its holiday season , and most of the customers generally tend to spend more money during these months .</a:t>
+            </a:r>
           </a:p>
         </p:txBody>
       </p:sp>
@@ -7176,7 +7281,7 @@
         </p:nvSpPr>
         <p:spPr>
           <a:xfrm>
-            <a:off x="963072" y="3759746"/>
+            <a:off x="505872" y="3691653"/>
             <a:ext cx="4109963" cy="2240416"/>
           </a:xfrm>
           <a:prstGeom prst="rect">
@@ -7354,7 +7459,7 @@
           <a:p>
             <a:r>
               <a:rPr lang="en-US" sz="1800" dirty="0"/>
-              <a:t>Most percentage of defaulters are from the year 2007 since there was recession.</a:t>
+              <a:t>Most percentage of defaulters are from the year 2007 since there was recession. </a:t>
             </a:r>
           </a:p>
         </p:txBody>
@@ -7478,11 +7583,13 @@
         <p:spPr>
           <a:xfrm>
             <a:off x="2505439" y="989012"/>
-            <a:ext cx="6011544" cy="746760"/>
+            <a:ext cx="6011544" cy="585269"/>
           </a:xfrm>
         </p:spPr>
         <p:txBody>
-          <a:bodyPr/>
+          <a:bodyPr>
+            <a:normAutofit fontScale="92500"/>
+          </a:bodyPr>
           <a:lstStyle/>
           <a:p>
             <a:r>
@@ -7493,7 +7600,7 @@
                 <a:effectLst/>
                 <a:latin typeface="Helvetica Neue"/>
               </a:rPr>
-              <a:t>CA , NY , FL and TX being the highest user counts which is true since these are the top 4 states in US having high population</a:t>
+              <a:t>CA , NY , FL and TX being the highest customer count which is true since these are the top 4 states in US having high population .</a:t>
             </a:r>
             <a:endParaRPr lang="en-US" dirty="0">
               <a:solidFill>
@@ -7559,8 +7666,8 @@
         </p:blipFill>
         <p:spPr>
           <a:xfrm>
-            <a:off x="1086939" y="3835399"/>
-            <a:ext cx="9734550" cy="2905967"/>
+            <a:off x="534489" y="3910519"/>
+            <a:ext cx="10287000" cy="2830847"/>
           </a:xfrm>
           <a:prstGeom prst="rect">
             <a:avLst/>
@@ -7584,7 +7691,7 @@
         <p:spPr>
           <a:xfrm>
             <a:off x="2181978" y="3250130"/>
-            <a:ext cx="6011544" cy="746760"/>
+            <a:ext cx="6011544" cy="528735"/>
           </a:xfrm>
           <a:prstGeom prst="rect">
             <a:avLst/>
@@ -7592,7 +7699,7 @@
         </p:spPr>
         <p:txBody>
           <a:bodyPr vert="horz" lIns="91440" tIns="45720" rIns="91440" bIns="45720" rtlCol="0">
-            <a:normAutofit/>
+            <a:normAutofit lnSpcReduction="10000"/>
           </a:bodyPr>
           <a:lstStyle>
             <a:lvl1pPr marL="0" indent="0" algn="l" defTabSz="914400" rtl="0" eaLnBrk="1" latinLnBrk="0" hangingPunct="1">
@@ -7856,13 +7963,13 @@
         </p:nvSpPr>
         <p:spPr>
           <a:xfrm>
-            <a:off x="746308" y="1668280"/>
-            <a:ext cx="3932237" cy="378234"/>
+            <a:off x="746308" y="1668279"/>
+            <a:ext cx="4117522" cy="695541"/>
           </a:xfrm>
         </p:spPr>
         <p:txBody>
           <a:bodyPr>
-            <a:normAutofit fontScale="77500" lnSpcReduction="20000"/>
+            <a:normAutofit/>
           </a:bodyPr>
           <a:lstStyle/>
           <a:p>
@@ -7874,7 +7981,7 @@
                 <a:effectLst/>
                 <a:latin typeface="Helvetica Neue"/>
               </a:rPr>
-              <a:t>Only 25% of users are having 60 Months Loan Period</a:t>
+              <a:t>Only 25% of customers are having 60 Months Loan Period</a:t>
             </a:r>
             <a:endParaRPr lang="en-US" dirty="0"/>
           </a:p>
@@ -7902,8 +8009,8 @@
         </p:blipFill>
         <p:spPr>
           <a:xfrm>
-            <a:off x="6596334" y="1019433"/>
-            <a:ext cx="3057525" cy="2200275"/>
+            <a:off x="5865780" y="1019433"/>
+            <a:ext cx="4587068" cy="2409567"/>
           </a:xfrm>
           <a:prstGeom prst="rect">
             <a:avLst/>
@@ -7926,8 +8033,8 @@
         </p:nvSpPr>
         <p:spPr>
           <a:xfrm>
-            <a:off x="1086940" y="3367306"/>
-            <a:ext cx="5947954" cy="269097"/>
+            <a:off x="1086939" y="3560322"/>
+            <a:ext cx="6247715" cy="338653"/>
           </a:xfrm>
           <a:prstGeom prst="rect">
             <a:avLst/>
@@ -7935,7 +8042,7 @@
         </p:spPr>
         <p:txBody>
           <a:bodyPr vert="horz" lIns="91440" tIns="45720" rIns="91440" bIns="45720" rtlCol="0">
-            <a:normAutofit fontScale="92500" lnSpcReduction="20000"/>
+            <a:normAutofit fontScale="92500"/>
           </a:bodyPr>
           <a:lstStyle>
             <a:lvl1pPr marL="0" indent="0" algn="l" defTabSz="914400" rtl="0" eaLnBrk="1" latinLnBrk="0" hangingPunct="1">
@@ -8109,7 +8216,7 @@
                 </a:solidFill>
                 <a:latin typeface="Helvetica Neue"/>
               </a:rPr>
-              <a:t>60 Month Term was introduced in 2010 onwards</a:t>
+              <a:t>60 Month Term Loan Period was introduced in the year 2010 onwards.</a:t>
             </a:r>
             <a:endParaRPr lang="en-US" dirty="0"/>
           </a:p>
@@ -8411,7 +8518,7 @@
                 <a:effectLst/>
                 <a:latin typeface="Helvetica Neue"/>
               </a:rPr>
-              <a:t>Even though Majority of Loan Term is 36 months , but the Charged off users are mainly from 60 months Loan Term . Which can be a driving factor as  the Loan amount is huge which leads to High Interest Rate</a:t>
+              <a:t>Even though Majority of Loan Term is 36 months , but the Charged off customers are mainly from 60 months Loan Term . Which can be a driving factor as  the Loan amount is huge which leads to High Interest Rate</a:t>
             </a:r>
             <a:endParaRPr lang="en-US" sz="1200" dirty="0"/>
           </a:p>
@@ -9322,7 +9429,7 @@
         <p:spPr>
           <a:xfrm>
             <a:off x="1142547" y="3437290"/>
-            <a:ext cx="7827281" cy="873453"/>
+            <a:ext cx="7827281" cy="641651"/>
           </a:xfrm>
           <a:prstGeom prst="rect">
             <a:avLst/>
@@ -9499,7 +9606,7 @@
           <a:p>
             <a:r>
               <a:rPr lang="en-US" sz="1200" dirty="0"/>
-              <a:t>Generally, we see higher loan amount – high interest rate , but regarding Mortgage Owners the Interest rate drops , it can be considering the Mortgage </a:t>
+              <a:t>Generally, we see higher loan amount – high interest rate , but regarding Mortgage Owners the Interest rate drops.</a:t>
             </a:r>
           </a:p>
           <a:p>
@@ -9513,7 +9620,7 @@
             </a:r>
             <a:r>
               <a:rPr lang="en-US" sz="1200" dirty="0"/>
-              <a:t> percentile of Mortgage loan amount is high</a:t>
+              <a:t> percentile of Mortgage loan amount is high.</a:t>
             </a:r>
           </a:p>
         </p:txBody>
@@ -9718,7 +9825,7 @@
                 <a:effectLst/>
                 <a:latin typeface="Helvetica Neue"/>
               </a:rPr>
-              <a:t>Majority of users are either Staying in Rented property or Mortgage</a:t>
+              <a:t>Majority of customers are either Staying in Rented property or Mortgage</a:t>
             </a:r>
             <a:endParaRPr lang="en-US" dirty="0"/>
           </a:p>
